--- a/content/счет.pptx
+++ b/content/счет.pptx
@@ -10,6 +10,7 @@
     <p:sldId id="257" r:id="rId4"/>
     <p:sldId id="259" r:id="rId5"/>
     <p:sldId id="260" r:id="rId6"/>
+    <p:sldId id="261" r:id="rId7"/>
   </p:sldIdLst>
   <p:sldSz cx="12192000" cy="6858000"/>
   <p:notesSz cx="6858000" cy="9144000"/>
@@ -247,7 +248,7 @@
           <a:p>
             <a:fld id="{CC3E8990-D57E-43A1-B66D-D435B75A0C84}" type="datetimeFigureOut">
               <a:rPr lang="ru-RU" smtClean="0"/>
-              <a:t>24.03.2024</a:t>
+              <a:t>27.03.2024</a:t>
             </a:fld>
             <a:endParaRPr lang="ru-RU"/>
           </a:p>
@@ -417,7 +418,7 @@
           <a:p>
             <a:fld id="{CC3E8990-D57E-43A1-B66D-D435B75A0C84}" type="datetimeFigureOut">
               <a:rPr lang="ru-RU" smtClean="0"/>
-              <a:t>24.03.2024</a:t>
+              <a:t>27.03.2024</a:t>
             </a:fld>
             <a:endParaRPr lang="ru-RU"/>
           </a:p>
@@ -597,7 +598,7 @@
           <a:p>
             <a:fld id="{CC3E8990-D57E-43A1-B66D-D435B75A0C84}" type="datetimeFigureOut">
               <a:rPr lang="ru-RU" smtClean="0"/>
-              <a:t>24.03.2024</a:t>
+              <a:t>27.03.2024</a:t>
             </a:fld>
             <a:endParaRPr lang="ru-RU"/>
           </a:p>
@@ -767,7 +768,7 @@
           <a:p>
             <a:fld id="{CC3E8990-D57E-43A1-B66D-D435B75A0C84}" type="datetimeFigureOut">
               <a:rPr lang="ru-RU" smtClean="0"/>
-              <a:t>24.03.2024</a:t>
+              <a:t>27.03.2024</a:t>
             </a:fld>
             <a:endParaRPr lang="ru-RU"/>
           </a:p>
@@ -1013,7 +1014,7 @@
           <a:p>
             <a:fld id="{CC3E8990-D57E-43A1-B66D-D435B75A0C84}" type="datetimeFigureOut">
               <a:rPr lang="ru-RU" smtClean="0"/>
-              <a:t>24.03.2024</a:t>
+              <a:t>27.03.2024</a:t>
             </a:fld>
             <a:endParaRPr lang="ru-RU"/>
           </a:p>
@@ -1245,7 +1246,7 @@
           <a:p>
             <a:fld id="{CC3E8990-D57E-43A1-B66D-D435B75A0C84}" type="datetimeFigureOut">
               <a:rPr lang="ru-RU" smtClean="0"/>
-              <a:t>24.03.2024</a:t>
+              <a:t>27.03.2024</a:t>
             </a:fld>
             <a:endParaRPr lang="ru-RU"/>
           </a:p>
@@ -1612,7 +1613,7 @@
           <a:p>
             <a:fld id="{CC3E8990-D57E-43A1-B66D-D435B75A0C84}" type="datetimeFigureOut">
               <a:rPr lang="ru-RU" smtClean="0"/>
-              <a:t>24.03.2024</a:t>
+              <a:t>27.03.2024</a:t>
             </a:fld>
             <a:endParaRPr lang="ru-RU"/>
           </a:p>
@@ -1730,7 +1731,7 @@
           <a:p>
             <a:fld id="{CC3E8990-D57E-43A1-B66D-D435B75A0C84}" type="datetimeFigureOut">
               <a:rPr lang="ru-RU" smtClean="0"/>
-              <a:t>24.03.2024</a:t>
+              <a:t>27.03.2024</a:t>
             </a:fld>
             <a:endParaRPr lang="ru-RU"/>
           </a:p>
@@ -1825,7 +1826,7 @@
           <a:p>
             <a:fld id="{CC3E8990-D57E-43A1-B66D-D435B75A0C84}" type="datetimeFigureOut">
               <a:rPr lang="ru-RU" smtClean="0"/>
-              <a:t>24.03.2024</a:t>
+              <a:t>27.03.2024</a:t>
             </a:fld>
             <a:endParaRPr lang="ru-RU"/>
           </a:p>
@@ -2102,7 +2103,7 @@
           <a:p>
             <a:fld id="{CC3E8990-D57E-43A1-B66D-D435B75A0C84}" type="datetimeFigureOut">
               <a:rPr lang="ru-RU" smtClean="0"/>
-              <a:t>24.03.2024</a:t>
+              <a:t>27.03.2024</a:t>
             </a:fld>
             <a:endParaRPr lang="ru-RU"/>
           </a:p>
@@ -2355,7 +2356,7 @@
           <a:p>
             <a:fld id="{CC3E8990-D57E-43A1-B66D-D435B75A0C84}" type="datetimeFigureOut">
               <a:rPr lang="ru-RU" smtClean="0"/>
-              <a:t>24.03.2024</a:t>
+              <a:t>27.03.2024</a:t>
             </a:fld>
             <a:endParaRPr lang="ru-RU"/>
           </a:p>
@@ -2568,7 +2569,7 @@
           <a:p>
             <a:fld id="{CC3E8990-D57E-43A1-B66D-D435B75A0C84}" type="datetimeFigureOut">
               <a:rPr lang="ru-RU" smtClean="0"/>
-              <a:t>24.03.2024</a:t>
+              <a:t>27.03.2024</a:t>
             </a:fld>
             <a:endParaRPr lang="ru-RU"/>
           </a:p>
@@ -4546,26 +4547,8 @@
                 <a:latin typeface="Cambria" panose="02040503050406030204" pitchFamily="18" charset="0"/>
                 <a:ea typeface="Cambria" panose="02040503050406030204" pitchFamily="18" charset="0"/>
               </a:rPr>
-              <a:t>Деб</a:t>
-            </a:r>
-            <a:r>
-              <a:rPr lang="ru-RU" b="1" dirty="0" smtClean="0">
-                <a:latin typeface="Cambria" panose="02040503050406030204" pitchFamily="18" charset="0"/>
-                <a:ea typeface="Cambria" panose="02040503050406030204" pitchFamily="18" charset="0"/>
-              </a:rPr>
-              <a:t>и</a:t>
-            </a:r>
-            <a:r>
-              <a:rPr lang="ru-RU" b="1" dirty="0" smtClean="0">
-                <a:latin typeface="Cambria" panose="02040503050406030204" pitchFamily="18" charset="0"/>
-                <a:ea typeface="Cambria" panose="02040503050406030204" pitchFamily="18" charset="0"/>
-              </a:rPr>
-              <a:t>т</a:t>
-            </a:r>
-            <a:endParaRPr lang="ru-RU" b="1" dirty="0" smtClean="0">
-              <a:latin typeface="Cambria" panose="02040503050406030204" pitchFamily="18" charset="0"/>
-              <a:ea typeface="Cambria" panose="02040503050406030204" pitchFamily="18" charset="0"/>
-            </a:endParaRPr>
+              <a:t>Дебит</a:t>
+            </a:r>
           </a:p>
         </p:txBody>
       </p:sp>
@@ -5001,21 +4984,7 @@
                 <a:latin typeface="Cambria" panose="02040503050406030204" pitchFamily="18" charset="0"/>
                 <a:ea typeface="Cambria" panose="02040503050406030204" pitchFamily="18" charset="0"/>
               </a:rPr>
-              <a:t>Deb</a:t>
-            </a:r>
-            <a:r>
-              <a:rPr lang="en-US" b="1" dirty="0" smtClean="0">
-                <a:latin typeface="Cambria" panose="02040503050406030204" pitchFamily="18" charset="0"/>
-                <a:ea typeface="Cambria" panose="02040503050406030204" pitchFamily="18" charset="0"/>
-              </a:rPr>
-              <a:t>i</a:t>
-            </a:r>
-            <a:r>
-              <a:rPr lang="en-US" b="1" dirty="0" smtClean="0">
-                <a:latin typeface="Cambria" panose="02040503050406030204" pitchFamily="18" charset="0"/>
-                <a:ea typeface="Cambria" panose="02040503050406030204" pitchFamily="18" charset="0"/>
-              </a:rPr>
-              <a:t>t</a:t>
+              <a:t>Debit</a:t>
             </a:r>
             <a:endParaRPr lang="ru-RU" b="1" dirty="0">
               <a:latin typeface="Cambria" panose="02040503050406030204" pitchFamily="18" charset="0"/>
@@ -5174,6 +5143,145 @@
     <p:extLst>
       <p:ext uri="{BB962C8B-B14F-4D97-AF65-F5344CB8AC3E}">
         <p14:creationId xmlns:p14="http://schemas.microsoft.com/office/powerpoint/2010/main" val="3893873874"/>
+      </p:ext>
+    </p:extLst>
+  </p:cSld>
+  <p:clrMapOvr>
+    <a:masterClrMapping/>
+  </p:clrMapOvr>
+</p:sld>
+</file>
+
+<file path=ppt/slides/slide6.xml><?xml version="1.0" encoding="utf-8"?>
+<p:sld xmlns:a="http://schemas.openxmlformats.org/drawingml/2006/main" xmlns:r="http://schemas.openxmlformats.org/officeDocument/2006/relationships" xmlns:p="http://schemas.openxmlformats.org/presentationml/2006/main">
+  <p:cSld>
+    <p:spTree>
+      <p:nvGrpSpPr>
+        <p:cNvPr id="1" name=""/>
+        <p:cNvGrpSpPr/>
+        <p:nvPr/>
+      </p:nvGrpSpPr>
+      <p:grpSpPr>
+        <a:xfrm>
+          <a:off x="0" y="0"/>
+          <a:ext cx="0" cy="0"/>
+          <a:chOff x="0" y="0"/>
+          <a:chExt cx="0" cy="0"/>
+        </a:xfrm>
+      </p:grpSpPr>
+      <p:sp>
+        <p:nvSpPr>
+          <p:cNvPr id="2" name="Прямоугольник 1"/>
+          <p:cNvSpPr/>
+          <p:nvPr/>
+        </p:nvSpPr>
+        <p:spPr>
+          <a:xfrm>
+            <a:off x="726141" y="502025"/>
+            <a:ext cx="5414683" cy="2008094"/>
+          </a:xfrm>
+          <a:prstGeom prst="rect">
+            <a:avLst/>
+          </a:prstGeom>
+          <a:solidFill>
+            <a:srgbClr val="65799B"/>
+          </a:solidFill>
+          <a:ln>
+            <a:noFill/>
+          </a:ln>
+        </p:spPr>
+        <p:style>
+          <a:lnRef idx="2">
+            <a:schemeClr val="accent1">
+              <a:shade val="50000"/>
+            </a:schemeClr>
+          </a:lnRef>
+          <a:fillRef idx="1">
+            <a:schemeClr val="accent1"/>
+          </a:fillRef>
+          <a:effectRef idx="0">
+            <a:schemeClr val="accent1"/>
+          </a:effectRef>
+          <a:fontRef idx="minor">
+            <a:schemeClr val="lt1"/>
+          </a:fontRef>
+        </p:style>
+        <p:txBody>
+          <a:bodyPr rtlCol="0" anchor="ctr"/>
+          <a:lstStyle/>
+          <a:p>
+            <a:pPr algn="ctr">
+              <a:lnSpc>
+                <a:spcPct val="150000"/>
+              </a:lnSpc>
+            </a:pPr>
+            <a:r>
+              <a:rPr lang="en-US" sz="4400" b="1" dirty="0" smtClean="0">
+                <a:latin typeface="Cambria" panose="02040503050406030204" pitchFamily="18" charset="0"/>
+                <a:ea typeface="Cambria" panose="02040503050406030204" pitchFamily="18" charset="0"/>
+              </a:rPr>
+              <a:t>Debit-</a:t>
+            </a:r>
+            <a:r>
+              <a:rPr lang="en-US" sz="4400" b="1" dirty="0" err="1" smtClean="0">
+                <a:latin typeface="Cambria" panose="02040503050406030204" pitchFamily="18" charset="0"/>
+                <a:ea typeface="Cambria" panose="02040503050406030204" pitchFamily="18" charset="0"/>
+              </a:rPr>
+              <a:t>Credit.tech</a:t>
+            </a:r>
+            <a:endParaRPr lang="en-US" sz="4400" b="1" dirty="0" smtClean="0">
+              <a:latin typeface="Cambria" panose="02040503050406030204" pitchFamily="18" charset="0"/>
+              <a:ea typeface="Cambria" panose="02040503050406030204" pitchFamily="18" charset="0"/>
+            </a:endParaRPr>
+          </a:p>
+          <a:p>
+            <a:pPr algn="ctr">
+              <a:lnSpc>
+                <a:spcPct val="150000"/>
+              </a:lnSpc>
+            </a:pPr>
+            <a:r>
+              <a:rPr lang="en-US" sz="3600" b="1" dirty="0" smtClean="0">
+                <a:latin typeface="Segoe Print" panose="02000600000000000000" pitchFamily="2" charset="0"/>
+                <a:ea typeface="Cambria" panose="02040503050406030204" pitchFamily="18" charset="0"/>
+              </a:rPr>
+              <a:t>Dictum est factum</a:t>
+            </a:r>
+          </a:p>
+          <a:p>
+            <a:pPr algn="ctr"/>
+            <a:endParaRPr lang="ru-RU" dirty="0"/>
+          </a:p>
+        </p:txBody>
+      </p:sp>
+      <p:pic>
+        <p:nvPicPr>
+          <p:cNvPr id="18" name="Рисунок 17"/>
+          <p:cNvPicPr>
+            <a:picLocks noChangeAspect="1"/>
+          </p:cNvPicPr>
+          <p:nvPr/>
+        </p:nvPicPr>
+        <p:blipFill>
+          <a:blip r:embed="rId2"/>
+          <a:stretch>
+            <a:fillRect/>
+          </a:stretch>
+        </p:blipFill>
+        <p:spPr>
+          <a:xfrm>
+            <a:off x="3783589" y="3247826"/>
+            <a:ext cx="5413717" cy="2011854"/>
+          </a:xfrm>
+          <a:prstGeom prst="rect">
+            <a:avLst/>
+          </a:prstGeom>
+        </p:spPr>
+      </p:pic>
+    </p:spTree>
+    <p:extLst>
+      <p:ext uri="{BB962C8B-B14F-4D97-AF65-F5344CB8AC3E}">
+        <p14:creationId xmlns:p14="http://schemas.microsoft.com/office/powerpoint/2010/main" val="3551964229"/>
       </p:ext>
     </p:extLst>
   </p:cSld>

--- a/content/счет.pptx
+++ b/content/счет.pptx
@@ -248,7 +248,7 @@
           <a:p>
             <a:fld id="{CC3E8990-D57E-43A1-B66D-D435B75A0C84}" type="datetimeFigureOut">
               <a:rPr lang="ru-RU" smtClean="0"/>
-              <a:t>27.03.2024</a:t>
+              <a:t>24.09.2024</a:t>
             </a:fld>
             <a:endParaRPr lang="ru-RU"/>
           </a:p>
@@ -418,7 +418,7 @@
           <a:p>
             <a:fld id="{CC3E8990-D57E-43A1-B66D-D435B75A0C84}" type="datetimeFigureOut">
               <a:rPr lang="ru-RU" smtClean="0"/>
-              <a:t>27.03.2024</a:t>
+              <a:t>24.09.2024</a:t>
             </a:fld>
             <a:endParaRPr lang="ru-RU"/>
           </a:p>
@@ -598,7 +598,7 @@
           <a:p>
             <a:fld id="{CC3E8990-D57E-43A1-B66D-D435B75A0C84}" type="datetimeFigureOut">
               <a:rPr lang="ru-RU" smtClean="0"/>
-              <a:t>27.03.2024</a:t>
+              <a:t>24.09.2024</a:t>
             </a:fld>
             <a:endParaRPr lang="ru-RU"/>
           </a:p>
@@ -768,7 +768,7 @@
           <a:p>
             <a:fld id="{CC3E8990-D57E-43A1-B66D-D435B75A0C84}" type="datetimeFigureOut">
               <a:rPr lang="ru-RU" smtClean="0"/>
-              <a:t>27.03.2024</a:t>
+              <a:t>24.09.2024</a:t>
             </a:fld>
             <a:endParaRPr lang="ru-RU"/>
           </a:p>
@@ -1014,7 +1014,7 @@
           <a:p>
             <a:fld id="{CC3E8990-D57E-43A1-B66D-D435B75A0C84}" type="datetimeFigureOut">
               <a:rPr lang="ru-RU" smtClean="0"/>
-              <a:t>27.03.2024</a:t>
+              <a:t>24.09.2024</a:t>
             </a:fld>
             <a:endParaRPr lang="ru-RU"/>
           </a:p>
@@ -1246,7 +1246,7 @@
           <a:p>
             <a:fld id="{CC3E8990-D57E-43A1-B66D-D435B75A0C84}" type="datetimeFigureOut">
               <a:rPr lang="ru-RU" smtClean="0"/>
-              <a:t>27.03.2024</a:t>
+              <a:t>24.09.2024</a:t>
             </a:fld>
             <a:endParaRPr lang="ru-RU"/>
           </a:p>
@@ -1613,7 +1613,7 @@
           <a:p>
             <a:fld id="{CC3E8990-D57E-43A1-B66D-D435B75A0C84}" type="datetimeFigureOut">
               <a:rPr lang="ru-RU" smtClean="0"/>
-              <a:t>27.03.2024</a:t>
+              <a:t>24.09.2024</a:t>
             </a:fld>
             <a:endParaRPr lang="ru-RU"/>
           </a:p>
@@ -1731,7 +1731,7 @@
           <a:p>
             <a:fld id="{CC3E8990-D57E-43A1-B66D-D435B75A0C84}" type="datetimeFigureOut">
               <a:rPr lang="ru-RU" smtClean="0"/>
-              <a:t>27.03.2024</a:t>
+              <a:t>24.09.2024</a:t>
             </a:fld>
             <a:endParaRPr lang="ru-RU"/>
           </a:p>
@@ -1826,7 +1826,7 @@
           <a:p>
             <a:fld id="{CC3E8990-D57E-43A1-B66D-D435B75A0C84}" type="datetimeFigureOut">
               <a:rPr lang="ru-RU" smtClean="0"/>
-              <a:t>27.03.2024</a:t>
+              <a:t>24.09.2024</a:t>
             </a:fld>
             <a:endParaRPr lang="ru-RU"/>
           </a:p>
@@ -2103,7 +2103,7 @@
           <a:p>
             <a:fld id="{CC3E8990-D57E-43A1-B66D-D435B75A0C84}" type="datetimeFigureOut">
               <a:rPr lang="ru-RU" smtClean="0"/>
-              <a:t>27.03.2024</a:t>
+              <a:t>24.09.2024</a:t>
             </a:fld>
             <a:endParaRPr lang="ru-RU"/>
           </a:p>
@@ -2356,7 +2356,7 @@
           <a:p>
             <a:fld id="{CC3E8990-D57E-43A1-B66D-D435B75A0C84}" type="datetimeFigureOut">
               <a:rPr lang="ru-RU" smtClean="0"/>
-              <a:t>27.03.2024</a:t>
+              <a:t>24.09.2024</a:t>
             </a:fld>
             <a:endParaRPr lang="ru-RU"/>
           </a:p>
@@ -2569,7 +2569,7 @@
           <a:p>
             <a:fld id="{CC3E8990-D57E-43A1-B66D-D435B75A0C84}" type="datetimeFigureOut">
               <a:rPr lang="ru-RU" smtClean="0"/>
-              <a:t>27.03.2024</a:t>
+              <a:t>24.09.2024</a:t>
             </a:fld>
             <a:endParaRPr lang="ru-RU"/>
           </a:p>
@@ -4527,8 +4527,8 @@
         </p:nvSpPr>
         <p:spPr>
           <a:xfrm>
-            <a:off x="4086782" y="1760465"/>
-            <a:ext cx="861133" cy="369332"/>
+            <a:off x="4098804" y="1760465"/>
+            <a:ext cx="837089" cy="369332"/>
           </a:xfrm>
           <a:prstGeom prst="rect">
             <a:avLst/>
@@ -4547,8 +4547,26 @@
                 <a:latin typeface="Cambria" panose="02040503050406030204" pitchFamily="18" charset="0"/>
                 <a:ea typeface="Cambria" panose="02040503050406030204" pitchFamily="18" charset="0"/>
               </a:rPr>
-              <a:t>Дебит</a:t>
-            </a:r>
+              <a:t>Деб</a:t>
+            </a:r>
+            <a:r>
+              <a:rPr lang="ru-RU" b="1" dirty="0">
+                <a:latin typeface="Cambria" panose="02040503050406030204" pitchFamily="18" charset="0"/>
+                <a:ea typeface="Cambria" panose="02040503050406030204" pitchFamily="18" charset="0"/>
+              </a:rPr>
+              <a:t>е</a:t>
+            </a:r>
+            <a:r>
+              <a:rPr lang="ru-RU" b="1" dirty="0" smtClean="0">
+                <a:latin typeface="Cambria" panose="02040503050406030204" pitchFamily="18" charset="0"/>
+                <a:ea typeface="Cambria" panose="02040503050406030204" pitchFamily="18" charset="0"/>
+              </a:rPr>
+              <a:t>т</a:t>
+            </a:r>
+            <a:endParaRPr lang="ru-RU" b="1" dirty="0" smtClean="0">
+              <a:latin typeface="Cambria" panose="02040503050406030204" pitchFamily="18" charset="0"/>
+              <a:ea typeface="Cambria" panose="02040503050406030204" pitchFamily="18" charset="0"/>
+            </a:endParaRPr>
           </a:p>
         </p:txBody>
       </p:sp>
@@ -4599,7 +4617,7 @@
           <a:prstGeom prst="line">
             <a:avLst/>
           </a:prstGeom>
-          <a:ln w="57150">
+          <a:ln w="19050">
             <a:solidFill>
               <a:schemeClr val="tx1"/>
             </a:solidFill>
@@ -5044,7 +5062,7 @@
           <a:prstGeom prst="line">
             <a:avLst/>
           </a:prstGeom>
-          <a:ln w="57150">
+          <a:ln w="19050">
             <a:solidFill>
               <a:schemeClr val="tx1"/>
             </a:solidFill>
